--- a/outputs/presentation/slides_final.pptx
+++ b/outputs/presentation/slides_final.pptx
@@ -5,22 +5,22 @@
     <p:sldMasterId id="2147483648" r:id="rId1"/>
   </p:sldMasterIdLst>
   <p:sldIdLst>
-    <p:sldId id="256" r:id="rId7"/>
-    <p:sldId id="257" r:id="rId8"/>
-    <p:sldId id="258" r:id="rId9"/>
-    <p:sldId id="259" r:id="rId10"/>
-    <p:sldId id="260" r:id="rId11"/>
-    <p:sldId id="261" r:id="rId12"/>
-    <p:sldId id="262" r:id="rId13"/>
-    <p:sldId id="263" r:id="rId14"/>
-    <p:sldId id="264" r:id="rId15"/>
-    <p:sldId id="265" r:id="rId16"/>
-    <p:sldId id="266" r:id="rId17"/>
-    <p:sldId id="267" r:id="rId18"/>
-    <p:sldId id="268" r:id="rId19"/>
-    <p:sldId id="269" r:id="rId20"/>
-    <p:sldId id="270" r:id="rId21"/>
-    <p:sldId id="271" r:id="rId22"/>
+    <p:sldId id="256" r:id="rId2"/>
+    <p:sldId id="257" r:id="rId3"/>
+    <p:sldId id="258" r:id="rId4"/>
+    <p:sldId id="259" r:id="rId5"/>
+    <p:sldId id="260" r:id="rId6"/>
+    <p:sldId id="261" r:id="rId7"/>
+    <p:sldId id="262" r:id="rId8"/>
+    <p:sldId id="263" r:id="rId9"/>
+    <p:sldId id="264" r:id="rId10"/>
+    <p:sldId id="265" r:id="rId11"/>
+    <p:sldId id="266" r:id="rId12"/>
+    <p:sldId id="267" r:id="rId13"/>
+    <p:sldId id="268" r:id="rId14"/>
+    <p:sldId id="269" r:id="rId15"/>
+    <p:sldId id="270" r:id="rId16"/>
+    <p:sldId id="271" r:id="rId17"/>
   </p:sldIdLst>
   <p:sldSz cx="9144000" cy="6858000" type="screen4x3"/>
   <p:notesSz cx="6858000" cy="9144000"/>
@@ -119,6 +119,22 @@
       </a:defRPr>
     </a:lvl9pPr>
   </p:defaultTextStyle>
+  <p:extLst>
+    <p:ext uri="{EFAFB233-063F-42B5-8137-9DF3F51BA10A}">
+      <p15:sldGuideLst xmlns:p15="http://schemas.microsoft.com/office/powerpoint/2012/main">
+        <p15:guide id="1" orient="horz" pos="2160">
+          <p15:clr>
+            <a:srgbClr val="A4A3A4"/>
+          </p15:clr>
+        </p15:guide>
+        <p15:guide id="2" pos="2880">
+          <p15:clr>
+            <a:srgbClr val="A4A3A4"/>
+          </p15:clr>
+        </p15:guide>
+      </p15:sldGuideLst>
+    </p:ext>
+  </p:extLst>
 </p:presentation>
 </file>
 
@@ -160,10 +176,9 @@
           <a:lstStyle/>
           <a:p>
             <a:r>
-              <a:rPr lang="en-US" smtClean="0"/>
+              <a:rPr lang="en-US"/>
               <a:t>Click to edit Master title style</a:t>
             </a:r>
-            <a:endParaRPr lang="en-US"/>
           </a:p>
         </p:txBody>
       </p:sp>
@@ -279,10 +294,9 @@
           </a:lstStyle>
           <a:p>
             <a:r>
-              <a:rPr lang="en-US" smtClean="0"/>
+              <a:rPr lang="en-US"/>
               <a:t>Click to edit Master subtitle style</a:t>
             </a:r>
-            <a:endParaRPr lang="en-US"/>
           </a:p>
         </p:txBody>
       </p:sp>
@@ -303,7 +317,7 @@
           <a:p>
             <a:fld id="{5BCAD085-E8A6-8845-BD4E-CB4CCA059FC4}" type="datetimeFigureOut">
               <a:rPr lang="en-US" smtClean="0"/>
-              <a:t>1/27/13</a:t>
+              <a:t>1/23/2026</a:t>
             </a:fld>
             <a:endParaRPr lang="en-US"/>
           </a:p>
@@ -397,10 +411,9 @@
           <a:lstStyle/>
           <a:p>
             <a:r>
-              <a:rPr lang="en-US" smtClean="0"/>
+              <a:rPr lang="en-US"/>
               <a:t>Click to edit Master title style</a:t>
             </a:r>
-            <a:endParaRPr lang="en-US"/>
           </a:p>
         </p:txBody>
       </p:sp>
@@ -421,38 +434,37 @@
           <a:p>
             <a:pPr lvl="0"/>
             <a:r>
-              <a:rPr lang="en-US" smtClean="0"/>
+              <a:rPr lang="en-US"/>
               <a:t>Click to edit Master text styles</a:t>
             </a:r>
           </a:p>
           <a:p>
             <a:pPr lvl="1"/>
             <a:r>
-              <a:rPr lang="en-US" smtClean="0"/>
+              <a:rPr lang="en-US"/>
               <a:t>Second level</a:t>
             </a:r>
           </a:p>
           <a:p>
             <a:pPr lvl="2"/>
             <a:r>
-              <a:rPr lang="en-US" smtClean="0"/>
+              <a:rPr lang="en-US"/>
               <a:t>Third level</a:t>
             </a:r>
           </a:p>
           <a:p>
             <a:pPr lvl="3"/>
             <a:r>
-              <a:rPr lang="en-US" smtClean="0"/>
+              <a:rPr lang="en-US"/>
               <a:t>Fourth level</a:t>
             </a:r>
           </a:p>
           <a:p>
             <a:pPr lvl="4"/>
             <a:r>
-              <a:rPr lang="en-US" smtClean="0"/>
+              <a:rPr lang="en-US"/>
               <a:t>Fifth level</a:t>
             </a:r>
-            <a:endParaRPr lang="en-US"/>
           </a:p>
         </p:txBody>
       </p:sp>
@@ -473,7 +485,7 @@
           <a:p>
             <a:fld id="{5BCAD085-E8A6-8845-BD4E-CB4CCA059FC4}" type="datetimeFigureOut">
               <a:rPr lang="en-US" smtClean="0"/>
-              <a:t>1/27/13</a:t>
+              <a:t>1/23/2026</a:t>
             </a:fld>
             <a:endParaRPr lang="en-US"/>
           </a:p>
@@ -572,10 +584,9 @@
           <a:lstStyle/>
           <a:p>
             <a:r>
-              <a:rPr lang="en-US" smtClean="0"/>
+              <a:rPr lang="en-US"/>
               <a:t>Click to edit Master title style</a:t>
             </a:r>
-            <a:endParaRPr lang="en-US"/>
           </a:p>
         </p:txBody>
       </p:sp>
@@ -601,38 +612,37 @@
           <a:p>
             <a:pPr lvl="0"/>
             <a:r>
-              <a:rPr lang="en-US" smtClean="0"/>
+              <a:rPr lang="en-US"/>
               <a:t>Click to edit Master text styles</a:t>
             </a:r>
           </a:p>
           <a:p>
             <a:pPr lvl="1"/>
             <a:r>
-              <a:rPr lang="en-US" smtClean="0"/>
+              <a:rPr lang="en-US"/>
               <a:t>Second level</a:t>
             </a:r>
           </a:p>
           <a:p>
             <a:pPr lvl="2"/>
             <a:r>
-              <a:rPr lang="en-US" smtClean="0"/>
+              <a:rPr lang="en-US"/>
               <a:t>Third level</a:t>
             </a:r>
           </a:p>
           <a:p>
             <a:pPr lvl="3"/>
             <a:r>
-              <a:rPr lang="en-US" smtClean="0"/>
+              <a:rPr lang="en-US"/>
               <a:t>Fourth level</a:t>
             </a:r>
           </a:p>
           <a:p>
             <a:pPr lvl="4"/>
             <a:r>
-              <a:rPr lang="en-US" smtClean="0"/>
+              <a:rPr lang="en-US"/>
               <a:t>Fifth level</a:t>
             </a:r>
-            <a:endParaRPr lang="en-US"/>
           </a:p>
         </p:txBody>
       </p:sp>
@@ -653,7 +663,7 @@
           <a:p>
             <a:fld id="{5BCAD085-E8A6-8845-BD4E-CB4CCA059FC4}" type="datetimeFigureOut">
               <a:rPr lang="en-US" smtClean="0"/>
-              <a:t>1/27/13</a:t>
+              <a:t>1/23/2026</a:t>
             </a:fld>
             <a:endParaRPr lang="en-US"/>
           </a:p>
@@ -747,10 +757,9 @@
           <a:lstStyle/>
           <a:p>
             <a:r>
-              <a:rPr lang="en-US" smtClean="0"/>
+              <a:rPr lang="en-US"/>
               <a:t>Click to edit Master title style</a:t>
             </a:r>
-            <a:endParaRPr lang="en-US"/>
           </a:p>
         </p:txBody>
       </p:sp>
@@ -771,38 +780,37 @@
           <a:p>
             <a:pPr lvl="0"/>
             <a:r>
-              <a:rPr lang="en-US" smtClean="0"/>
+              <a:rPr lang="en-US"/>
               <a:t>Click to edit Master text styles</a:t>
             </a:r>
           </a:p>
           <a:p>
             <a:pPr lvl="1"/>
             <a:r>
-              <a:rPr lang="en-US" smtClean="0"/>
+              <a:rPr lang="en-US"/>
               <a:t>Second level</a:t>
             </a:r>
           </a:p>
           <a:p>
             <a:pPr lvl="2"/>
             <a:r>
-              <a:rPr lang="en-US" smtClean="0"/>
+              <a:rPr lang="en-US"/>
               <a:t>Third level</a:t>
             </a:r>
           </a:p>
           <a:p>
             <a:pPr lvl="3"/>
             <a:r>
-              <a:rPr lang="en-US" smtClean="0"/>
+              <a:rPr lang="en-US"/>
               <a:t>Fourth level</a:t>
             </a:r>
           </a:p>
           <a:p>
             <a:pPr lvl="4"/>
             <a:r>
-              <a:rPr lang="en-US" smtClean="0"/>
+              <a:rPr lang="en-US"/>
               <a:t>Fifth level</a:t>
             </a:r>
-            <a:endParaRPr lang="en-US"/>
           </a:p>
         </p:txBody>
       </p:sp>
@@ -823,7 +831,7 @@
           <a:p>
             <a:fld id="{5BCAD085-E8A6-8845-BD4E-CB4CCA059FC4}" type="datetimeFigureOut">
               <a:rPr lang="en-US" smtClean="0"/>
-              <a:t>1/27/13</a:t>
+              <a:t>1/23/2026</a:t>
             </a:fld>
             <a:endParaRPr lang="en-US"/>
           </a:p>
@@ -926,10 +934,9 @@
           </a:lstStyle>
           <a:p>
             <a:r>
-              <a:rPr lang="en-US" smtClean="0"/>
+              <a:rPr lang="en-US"/>
               <a:t>Click to edit Master title style</a:t>
             </a:r>
-            <a:endParaRPr lang="en-US"/>
           </a:p>
         </p:txBody>
       </p:sp>
@@ -1046,7 +1053,7 @@
           <a:p>
             <a:pPr lvl="0"/>
             <a:r>
-              <a:rPr lang="en-US" smtClean="0"/>
+              <a:rPr lang="en-US"/>
               <a:t>Click to edit Master text styles</a:t>
             </a:r>
           </a:p>
@@ -1069,7 +1076,7 @@
           <a:p>
             <a:fld id="{5BCAD085-E8A6-8845-BD4E-CB4CCA059FC4}" type="datetimeFigureOut">
               <a:rPr lang="en-US" smtClean="0"/>
-              <a:t>1/27/13</a:t>
+              <a:t>1/23/2026</a:t>
             </a:fld>
             <a:endParaRPr lang="en-US"/>
           </a:p>
@@ -1163,10 +1170,9 @@
           <a:lstStyle/>
           <a:p>
             <a:r>
-              <a:rPr lang="en-US" smtClean="0"/>
+              <a:rPr lang="en-US"/>
               <a:t>Click to edit Master title style</a:t>
             </a:r>
-            <a:endParaRPr lang="en-US"/>
           </a:p>
         </p:txBody>
       </p:sp>
@@ -1220,38 +1226,37 @@
           <a:p>
             <a:pPr lvl="0"/>
             <a:r>
-              <a:rPr lang="en-US" smtClean="0"/>
+              <a:rPr lang="en-US"/>
               <a:t>Click to edit Master text styles</a:t>
             </a:r>
           </a:p>
           <a:p>
             <a:pPr lvl="1"/>
             <a:r>
-              <a:rPr lang="en-US" smtClean="0"/>
+              <a:rPr lang="en-US"/>
               <a:t>Second level</a:t>
             </a:r>
           </a:p>
           <a:p>
             <a:pPr lvl="2"/>
             <a:r>
-              <a:rPr lang="en-US" smtClean="0"/>
+              <a:rPr lang="en-US"/>
               <a:t>Third level</a:t>
             </a:r>
           </a:p>
           <a:p>
             <a:pPr lvl="3"/>
             <a:r>
-              <a:rPr lang="en-US" smtClean="0"/>
+              <a:rPr lang="en-US"/>
               <a:t>Fourth level</a:t>
             </a:r>
           </a:p>
           <a:p>
             <a:pPr lvl="4"/>
             <a:r>
-              <a:rPr lang="en-US" smtClean="0"/>
+              <a:rPr lang="en-US"/>
               <a:t>Fifth level</a:t>
             </a:r>
-            <a:endParaRPr lang="en-US"/>
           </a:p>
         </p:txBody>
       </p:sp>
@@ -1305,38 +1310,37 @@
           <a:p>
             <a:pPr lvl="0"/>
             <a:r>
-              <a:rPr lang="en-US" smtClean="0"/>
+              <a:rPr lang="en-US"/>
               <a:t>Click to edit Master text styles</a:t>
             </a:r>
           </a:p>
           <a:p>
             <a:pPr lvl="1"/>
             <a:r>
-              <a:rPr lang="en-US" smtClean="0"/>
+              <a:rPr lang="en-US"/>
               <a:t>Second level</a:t>
             </a:r>
           </a:p>
           <a:p>
             <a:pPr lvl="2"/>
             <a:r>
-              <a:rPr lang="en-US" smtClean="0"/>
+              <a:rPr lang="en-US"/>
               <a:t>Third level</a:t>
             </a:r>
           </a:p>
           <a:p>
             <a:pPr lvl="3"/>
             <a:r>
-              <a:rPr lang="en-US" smtClean="0"/>
+              <a:rPr lang="en-US"/>
               <a:t>Fourth level</a:t>
             </a:r>
           </a:p>
           <a:p>
             <a:pPr lvl="4"/>
             <a:r>
-              <a:rPr lang="en-US" smtClean="0"/>
+              <a:rPr lang="en-US"/>
               <a:t>Fifth level</a:t>
             </a:r>
-            <a:endParaRPr lang="en-US"/>
           </a:p>
         </p:txBody>
       </p:sp>
@@ -1357,7 +1361,7 @@
           <a:p>
             <a:fld id="{5BCAD085-E8A6-8845-BD4E-CB4CCA059FC4}" type="datetimeFigureOut">
               <a:rPr lang="en-US" smtClean="0"/>
-              <a:t>1/27/13</a:t>
+              <a:t>1/23/2026</a:t>
             </a:fld>
             <a:endParaRPr lang="en-US"/>
           </a:p>
@@ -1455,10 +1459,9 @@
           </a:lstStyle>
           <a:p>
             <a:r>
-              <a:rPr lang="en-US" smtClean="0"/>
+              <a:rPr lang="en-US"/>
               <a:t>Click to edit Master title style</a:t>
             </a:r>
-            <a:endParaRPr lang="en-US"/>
           </a:p>
         </p:txBody>
       </p:sp>
@@ -1521,7 +1524,7 @@
           <a:p>
             <a:pPr lvl="0"/>
             <a:r>
-              <a:rPr lang="en-US" smtClean="0"/>
+              <a:rPr lang="en-US"/>
               <a:t>Click to edit Master text styles</a:t>
             </a:r>
           </a:p>
@@ -1577,38 +1580,37 @@
           <a:p>
             <a:pPr lvl="0"/>
             <a:r>
-              <a:rPr lang="en-US" smtClean="0"/>
+              <a:rPr lang="en-US"/>
               <a:t>Click to edit Master text styles</a:t>
             </a:r>
           </a:p>
           <a:p>
             <a:pPr lvl="1"/>
             <a:r>
-              <a:rPr lang="en-US" smtClean="0"/>
+              <a:rPr lang="en-US"/>
               <a:t>Second level</a:t>
             </a:r>
           </a:p>
           <a:p>
             <a:pPr lvl="2"/>
             <a:r>
-              <a:rPr lang="en-US" smtClean="0"/>
+              <a:rPr lang="en-US"/>
               <a:t>Third level</a:t>
             </a:r>
           </a:p>
           <a:p>
             <a:pPr lvl="3"/>
             <a:r>
-              <a:rPr lang="en-US" smtClean="0"/>
+              <a:rPr lang="en-US"/>
               <a:t>Fourth level</a:t>
             </a:r>
           </a:p>
           <a:p>
             <a:pPr lvl="4"/>
             <a:r>
-              <a:rPr lang="en-US" smtClean="0"/>
+              <a:rPr lang="en-US"/>
               <a:t>Fifth level</a:t>
             </a:r>
-            <a:endParaRPr lang="en-US"/>
           </a:p>
         </p:txBody>
       </p:sp>
@@ -1671,7 +1673,7 @@
           <a:p>
             <a:pPr lvl="0"/>
             <a:r>
-              <a:rPr lang="en-US" smtClean="0"/>
+              <a:rPr lang="en-US"/>
               <a:t>Click to edit Master text styles</a:t>
             </a:r>
           </a:p>
@@ -1727,38 +1729,37 @@
           <a:p>
             <a:pPr lvl="0"/>
             <a:r>
-              <a:rPr lang="en-US" smtClean="0"/>
+              <a:rPr lang="en-US"/>
               <a:t>Click to edit Master text styles</a:t>
             </a:r>
           </a:p>
           <a:p>
             <a:pPr lvl="1"/>
             <a:r>
-              <a:rPr lang="en-US" smtClean="0"/>
+              <a:rPr lang="en-US"/>
               <a:t>Second level</a:t>
             </a:r>
           </a:p>
           <a:p>
             <a:pPr lvl="2"/>
             <a:r>
-              <a:rPr lang="en-US" smtClean="0"/>
+              <a:rPr lang="en-US"/>
               <a:t>Third level</a:t>
             </a:r>
           </a:p>
           <a:p>
             <a:pPr lvl="3"/>
             <a:r>
-              <a:rPr lang="en-US" smtClean="0"/>
+              <a:rPr lang="en-US"/>
               <a:t>Fourth level</a:t>
             </a:r>
           </a:p>
           <a:p>
             <a:pPr lvl="4"/>
             <a:r>
-              <a:rPr lang="en-US" smtClean="0"/>
+              <a:rPr lang="en-US"/>
               <a:t>Fifth level</a:t>
             </a:r>
-            <a:endParaRPr lang="en-US"/>
           </a:p>
         </p:txBody>
       </p:sp>
@@ -1779,7 +1780,7 @@
           <a:p>
             <a:fld id="{5BCAD085-E8A6-8845-BD4E-CB4CCA059FC4}" type="datetimeFigureOut">
               <a:rPr lang="en-US" smtClean="0"/>
-              <a:t>1/27/13</a:t>
+              <a:t>1/23/2026</a:t>
             </a:fld>
             <a:endParaRPr lang="en-US"/>
           </a:p>
@@ -1873,10 +1874,9 @@
           <a:lstStyle/>
           <a:p>
             <a:r>
-              <a:rPr lang="en-US" smtClean="0"/>
+              <a:rPr lang="en-US"/>
               <a:t>Click to edit Master title style</a:t>
             </a:r>
-            <a:endParaRPr lang="en-US"/>
           </a:p>
         </p:txBody>
       </p:sp>
@@ -1897,7 +1897,7 @@
           <a:p>
             <a:fld id="{5BCAD085-E8A6-8845-BD4E-CB4CCA059FC4}" type="datetimeFigureOut">
               <a:rPr lang="en-US" smtClean="0"/>
-              <a:t>1/27/13</a:t>
+              <a:t>1/23/2026</a:t>
             </a:fld>
             <a:endParaRPr lang="en-US"/>
           </a:p>
@@ -1992,7 +1992,7 @@
           <a:p>
             <a:fld id="{5BCAD085-E8A6-8845-BD4E-CB4CCA059FC4}" type="datetimeFigureOut">
               <a:rPr lang="en-US" smtClean="0"/>
-              <a:t>1/27/13</a:t>
+              <a:t>1/23/2026</a:t>
             </a:fld>
             <a:endParaRPr lang="en-US"/>
           </a:p>
@@ -2095,10 +2095,9 @@
           </a:lstStyle>
           <a:p>
             <a:r>
-              <a:rPr lang="en-US" smtClean="0"/>
+              <a:rPr lang="en-US"/>
               <a:t>Click to edit Master title style</a:t>
             </a:r>
-            <a:endParaRPr lang="en-US"/>
           </a:p>
         </p:txBody>
       </p:sp>
@@ -2152,38 +2151,37 @@
           <a:p>
             <a:pPr lvl="0"/>
             <a:r>
-              <a:rPr lang="en-US" smtClean="0"/>
+              <a:rPr lang="en-US"/>
               <a:t>Click to edit Master text styles</a:t>
             </a:r>
           </a:p>
           <a:p>
             <a:pPr lvl="1"/>
             <a:r>
-              <a:rPr lang="en-US" smtClean="0"/>
+              <a:rPr lang="en-US"/>
               <a:t>Second level</a:t>
             </a:r>
           </a:p>
           <a:p>
             <a:pPr lvl="2"/>
             <a:r>
-              <a:rPr lang="en-US" smtClean="0"/>
+              <a:rPr lang="en-US"/>
               <a:t>Third level</a:t>
             </a:r>
           </a:p>
           <a:p>
             <a:pPr lvl="3"/>
             <a:r>
-              <a:rPr lang="en-US" smtClean="0"/>
+              <a:rPr lang="en-US"/>
               <a:t>Fourth level</a:t>
             </a:r>
           </a:p>
           <a:p>
             <a:pPr lvl="4"/>
             <a:r>
-              <a:rPr lang="en-US" smtClean="0"/>
+              <a:rPr lang="en-US"/>
               <a:t>Fifth level</a:t>
             </a:r>
-            <a:endParaRPr lang="en-US"/>
           </a:p>
         </p:txBody>
       </p:sp>
@@ -2246,7 +2244,7 @@
           <a:p>
             <a:pPr lvl="0"/>
             <a:r>
-              <a:rPr lang="en-US" smtClean="0"/>
+              <a:rPr lang="en-US"/>
               <a:t>Click to edit Master text styles</a:t>
             </a:r>
           </a:p>
@@ -2269,7 +2267,7 @@
           <a:p>
             <a:fld id="{5BCAD085-E8A6-8845-BD4E-CB4CCA059FC4}" type="datetimeFigureOut">
               <a:rPr lang="en-US" smtClean="0"/>
-              <a:t>1/27/13</a:t>
+              <a:t>1/23/2026</a:t>
             </a:fld>
             <a:endParaRPr lang="en-US"/>
           </a:p>
@@ -2372,10 +2370,9 @@
           </a:lstStyle>
           <a:p>
             <a:r>
-              <a:rPr lang="en-US" smtClean="0"/>
+              <a:rPr lang="en-US"/>
               <a:t>Click to edit Master title style</a:t>
             </a:r>
-            <a:endParaRPr lang="en-US"/>
           </a:p>
         </p:txBody>
       </p:sp>
@@ -2499,7 +2496,7 @@
           <a:p>
             <a:pPr lvl="0"/>
             <a:r>
-              <a:rPr lang="en-US" smtClean="0"/>
+              <a:rPr lang="en-US"/>
               <a:t>Click to edit Master text styles</a:t>
             </a:r>
           </a:p>
@@ -2522,7 +2519,7 @@
           <a:p>
             <a:fld id="{5BCAD085-E8A6-8845-BD4E-CB4CCA059FC4}" type="datetimeFigureOut">
               <a:rPr lang="en-US" smtClean="0"/>
-              <a:t>1/27/13</a:t>
+              <a:t>1/23/2026</a:t>
             </a:fld>
             <a:endParaRPr lang="en-US"/>
           </a:p>
@@ -2631,10 +2628,9 @@
           <a:lstStyle/>
           <a:p>
             <a:r>
-              <a:rPr lang="en-US" smtClean="0"/>
+              <a:rPr lang="en-US"/>
               <a:t>Click to edit Master title style</a:t>
             </a:r>
-            <a:endParaRPr lang="en-US"/>
           </a:p>
         </p:txBody>
       </p:sp>
@@ -2665,38 +2661,37 @@
           <a:p>
             <a:pPr lvl="0"/>
             <a:r>
-              <a:rPr lang="en-US" smtClean="0"/>
+              <a:rPr lang="en-US"/>
               <a:t>Click to edit Master text styles</a:t>
             </a:r>
           </a:p>
           <a:p>
             <a:pPr lvl="1"/>
             <a:r>
-              <a:rPr lang="en-US" smtClean="0"/>
+              <a:rPr lang="en-US"/>
               <a:t>Second level</a:t>
             </a:r>
           </a:p>
           <a:p>
             <a:pPr lvl="2"/>
             <a:r>
-              <a:rPr lang="en-US" smtClean="0"/>
+              <a:rPr lang="en-US"/>
               <a:t>Third level</a:t>
             </a:r>
           </a:p>
           <a:p>
             <a:pPr lvl="3"/>
             <a:r>
-              <a:rPr lang="en-US" smtClean="0"/>
+              <a:rPr lang="en-US"/>
               <a:t>Fourth level</a:t>
             </a:r>
           </a:p>
           <a:p>
             <a:pPr lvl="4"/>
             <a:r>
-              <a:rPr lang="en-US" smtClean="0"/>
+              <a:rPr lang="en-US"/>
               <a:t>Fifth level</a:t>
             </a:r>
-            <a:endParaRPr lang="en-US"/>
           </a:p>
         </p:txBody>
       </p:sp>
@@ -2735,7 +2730,7 @@
           <a:p>
             <a:fld id="{5BCAD085-E8A6-8845-BD4E-CB4CCA059FC4}" type="datetimeFigureOut">
               <a:rPr lang="en-US" smtClean="0"/>
-              <a:t>1/27/13</a:t>
+              <a:t>1/23/2026</a:t>
             </a:fld>
             <a:endParaRPr lang="en-US"/>
           </a:p>
@@ -3094,7 +3089,7 @@
 </file>
 
 <file path=ppt/slides/slide1.xml><?xml version="1.0" encoding="utf-8"?>
-<p:sld xmlns:a="http://schemas.openxmlformats.org/drawingml/2006/main" xmlns:p="http://schemas.openxmlformats.org/presentationml/2006/main" xmlns:r="http://schemas.openxmlformats.org/officeDocument/2006/relationships">
+<p:sld xmlns:a="http://schemas.openxmlformats.org/drawingml/2006/main" xmlns:r="http://schemas.openxmlformats.org/officeDocument/2006/relationships" xmlns:p="http://schemas.openxmlformats.org/presentationml/2006/main">
   <p:cSld>
     <p:spTree>
       <p:nvGrpSpPr>
@@ -3102,7 +3097,14 @@
         <p:cNvGrpSpPr/>
         <p:nvPr/>
       </p:nvGrpSpPr>
-      <p:grpSpPr/>
+      <p:grpSpPr>
+        <a:xfrm>
+          <a:off x="0" y="0"/>
+          <a:ext cx="0" cy="0"/>
+          <a:chOff x="0" y="0"/>
+          <a:chExt cx="0" cy="0"/>
+        </a:xfrm>
+      </p:grpSpPr>
       <p:sp>
         <p:nvSpPr>
           <p:cNvPr id="2" name="Title 1"/>
@@ -3262,7 +3264,7 @@
 </file>
 
 <file path=ppt/slides/slide10.xml><?xml version="1.0" encoding="utf-8"?>
-<p:sld xmlns:a="http://schemas.openxmlformats.org/drawingml/2006/main" xmlns:p="http://schemas.openxmlformats.org/presentationml/2006/main" xmlns:r="http://schemas.openxmlformats.org/officeDocument/2006/relationships">
+<p:sld xmlns:a="http://schemas.openxmlformats.org/drawingml/2006/main" xmlns:r="http://schemas.openxmlformats.org/officeDocument/2006/relationships" xmlns:p="http://schemas.openxmlformats.org/presentationml/2006/main">
   <p:cSld>
     <p:spTree>
       <p:nvGrpSpPr>
@@ -3270,7 +3272,14 @@
         <p:cNvGrpSpPr/>
         <p:nvPr/>
       </p:nvGrpSpPr>
-      <p:grpSpPr/>
+      <p:grpSpPr>
+        <a:xfrm>
+          <a:off x="0" y="0"/>
+          <a:ext cx="0" cy="0"/>
+          <a:chOff x="0" y="0"/>
+          <a:chExt cx="0" cy="0"/>
+        </a:xfrm>
+      </p:grpSpPr>
       <p:sp>
         <p:nvSpPr>
           <p:cNvPr id="2" name="Title 1"/>
@@ -3309,7 +3318,9 @@
         <p:txBody>
           <a:bodyPr/>
           <a:lstStyle/>
-          <a:p/>
+          <a:p>
+            <a:endParaRPr/>
+          </a:p>
         </p:txBody>
       </p:sp>
       <p:graphicFrame>
@@ -3331,8 +3342,20 @@
                 <a:tableStyleId>{5C22544A-7EE6-4342-B048-85BDC9FD1C3A}</a:tableStyleId>
               </a:tblPr>
               <a:tblGrid>
-                <a:gridCol w="1600200"/>
-                <a:gridCol w="1600200"/>
+                <a:gridCol w="1600200">
+                  <a:extLst>
+                    <a:ext uri="{9D8B030D-6E8A-4147-A177-3AD203B41FA5}">
+                      <a16:colId xmlns:a16="http://schemas.microsoft.com/office/drawing/2014/main" val="20000"/>
+                    </a:ext>
+                  </a:extLst>
+                </a:gridCol>
+                <a:gridCol w="1600200">
+                  <a:extLst>
+                    <a:ext uri="{9D8B030D-6E8A-4147-A177-3AD203B41FA5}">
+                      <a16:colId xmlns:a16="http://schemas.microsoft.com/office/drawing/2014/main" val="20001"/>
+                    </a:ext>
+                  </a:extLst>
+                </a:gridCol>
               </a:tblGrid>
               <a:tr h="457200">
                 <a:tc>
@@ -3365,6 +3388,11 @@
                   </a:txBody>
                   <a:tcPr/>
                 </a:tc>
+                <a:extLst>
+                  <a:ext uri="{0D108BD9-81ED-4DB2-BD59-A6C34878D82A}">
+                    <a16:rowId xmlns:a16="http://schemas.microsoft.com/office/drawing/2014/main" val="10000"/>
+                  </a:ext>
+                </a:extLst>
               </a:tr>
               <a:tr h="457200">
                 <a:tc>
@@ -3397,6 +3425,11 @@
                   </a:txBody>
                   <a:tcPr/>
                 </a:tc>
+                <a:extLst>
+                  <a:ext uri="{0D108BD9-81ED-4DB2-BD59-A6C34878D82A}">
+                    <a16:rowId xmlns:a16="http://schemas.microsoft.com/office/drawing/2014/main" val="10001"/>
+                  </a:ext>
+                </a:extLst>
               </a:tr>
               <a:tr h="457200">
                 <a:tc>
@@ -3429,6 +3462,11 @@
                   </a:txBody>
                   <a:tcPr/>
                 </a:tc>
+                <a:extLst>
+                  <a:ext uri="{0D108BD9-81ED-4DB2-BD59-A6C34878D82A}">
+                    <a16:rowId xmlns:a16="http://schemas.microsoft.com/office/drawing/2014/main" val="10002"/>
+                  </a:ext>
+                </a:extLst>
               </a:tr>
               <a:tr h="457200">
                 <a:tc>
@@ -3461,6 +3499,11 @@
                   </a:txBody>
                   <a:tcPr/>
                 </a:tc>
+                <a:extLst>
+                  <a:ext uri="{0D108BD9-81ED-4DB2-BD59-A6C34878D82A}">
+                    <a16:rowId xmlns:a16="http://schemas.microsoft.com/office/drawing/2014/main" val="10003"/>
+                  </a:ext>
+                </a:extLst>
               </a:tr>
               <a:tr h="457200">
                 <a:tc>
@@ -3493,6 +3536,11 @@
                   </a:txBody>
                   <a:tcPr/>
                 </a:tc>
+                <a:extLst>
+                  <a:ext uri="{0D108BD9-81ED-4DB2-BD59-A6C34878D82A}">
+                    <a16:rowId xmlns:a16="http://schemas.microsoft.com/office/drawing/2014/main" val="10004"/>
+                  </a:ext>
+                </a:extLst>
               </a:tr>
             </a:tbl>
           </a:graphicData>
@@ -3562,7 +3610,7 @@
 </file>
 
 <file path=ppt/slides/slide11.xml><?xml version="1.0" encoding="utf-8"?>
-<p:sld xmlns:a="http://schemas.openxmlformats.org/drawingml/2006/main" xmlns:p="http://schemas.openxmlformats.org/presentationml/2006/main" xmlns:r="http://schemas.openxmlformats.org/officeDocument/2006/relationships">
+<p:sld xmlns:a="http://schemas.openxmlformats.org/drawingml/2006/main" xmlns:r="http://schemas.openxmlformats.org/officeDocument/2006/relationships" xmlns:p="http://schemas.openxmlformats.org/presentationml/2006/main">
   <p:cSld>
     <p:spTree>
       <p:nvGrpSpPr>
@@ -3570,7 +3618,14 @@
         <p:cNvGrpSpPr/>
         <p:nvPr/>
       </p:nvGrpSpPr>
-      <p:grpSpPr/>
+      <p:grpSpPr>
+        <a:xfrm>
+          <a:off x="0" y="0"/>
+          <a:ext cx="0" cy="0"/>
+          <a:chOff x="0" y="0"/>
+          <a:chExt cx="0" cy="0"/>
+        </a:xfrm>
+      </p:grpSpPr>
       <p:sp>
         <p:nvSpPr>
           <p:cNvPr id="2" name="Title 1"/>
@@ -3609,7 +3664,9 @@
         <p:txBody>
           <a:bodyPr/>
           <a:lstStyle/>
-          <a:p/>
+          <a:p>
+            <a:endParaRPr/>
+          </a:p>
         </p:txBody>
       </p:sp>
       <p:graphicFrame>
@@ -3631,8 +3688,20 @@
                 <a:tableStyleId>{5C22544A-7EE6-4342-B048-85BDC9FD1C3A}</a:tableStyleId>
               </a:tblPr>
               <a:tblGrid>
-                <a:gridCol w="1600200"/>
-                <a:gridCol w="1600200"/>
+                <a:gridCol w="1600200">
+                  <a:extLst>
+                    <a:ext uri="{9D8B030D-6E8A-4147-A177-3AD203B41FA5}">
+                      <a16:colId xmlns:a16="http://schemas.microsoft.com/office/drawing/2014/main" val="20000"/>
+                    </a:ext>
+                  </a:extLst>
+                </a:gridCol>
+                <a:gridCol w="1600200">
+                  <a:extLst>
+                    <a:ext uri="{9D8B030D-6E8A-4147-A177-3AD203B41FA5}">
+                      <a16:colId xmlns:a16="http://schemas.microsoft.com/office/drawing/2014/main" val="20001"/>
+                    </a:ext>
+                  </a:extLst>
+                </a:gridCol>
               </a:tblGrid>
               <a:tr h="457200">
                 <a:tc>
@@ -3665,6 +3734,11 @@
                   </a:txBody>
                   <a:tcPr/>
                 </a:tc>
+                <a:extLst>
+                  <a:ext uri="{0D108BD9-81ED-4DB2-BD59-A6C34878D82A}">
+                    <a16:rowId xmlns:a16="http://schemas.microsoft.com/office/drawing/2014/main" val="10000"/>
+                  </a:ext>
+                </a:extLst>
               </a:tr>
               <a:tr h="457200">
                 <a:tc>
@@ -3697,6 +3771,11 @@
                   </a:txBody>
                   <a:tcPr/>
                 </a:tc>
+                <a:extLst>
+                  <a:ext uri="{0D108BD9-81ED-4DB2-BD59-A6C34878D82A}">
+                    <a16:rowId xmlns:a16="http://schemas.microsoft.com/office/drawing/2014/main" val="10001"/>
+                  </a:ext>
+                </a:extLst>
               </a:tr>
               <a:tr h="457200">
                 <a:tc>
@@ -3729,6 +3808,11 @@
                   </a:txBody>
                   <a:tcPr/>
                 </a:tc>
+                <a:extLst>
+                  <a:ext uri="{0D108BD9-81ED-4DB2-BD59-A6C34878D82A}">
+                    <a16:rowId xmlns:a16="http://schemas.microsoft.com/office/drawing/2014/main" val="10002"/>
+                  </a:ext>
+                </a:extLst>
               </a:tr>
               <a:tr h="457200">
                 <a:tc>
@@ -3761,6 +3845,11 @@
                   </a:txBody>
                   <a:tcPr/>
                 </a:tc>
+                <a:extLst>
+                  <a:ext uri="{0D108BD9-81ED-4DB2-BD59-A6C34878D82A}">
+                    <a16:rowId xmlns:a16="http://schemas.microsoft.com/office/drawing/2014/main" val="10003"/>
+                  </a:ext>
+                </a:extLst>
               </a:tr>
               <a:tr h="457200">
                 <a:tc>
@@ -3793,6 +3882,11 @@
                   </a:txBody>
                   <a:tcPr/>
                 </a:tc>
+                <a:extLst>
+                  <a:ext uri="{0D108BD9-81ED-4DB2-BD59-A6C34878D82A}">
+                    <a16:rowId xmlns:a16="http://schemas.microsoft.com/office/drawing/2014/main" val="10004"/>
+                  </a:ext>
+                </a:extLst>
               </a:tr>
             </a:tbl>
           </a:graphicData>
@@ -3862,7 +3956,7 @@
 </file>
 
 <file path=ppt/slides/slide12.xml><?xml version="1.0" encoding="utf-8"?>
-<p:sld xmlns:a="http://schemas.openxmlformats.org/drawingml/2006/main" xmlns:p="http://schemas.openxmlformats.org/presentationml/2006/main" xmlns:r="http://schemas.openxmlformats.org/officeDocument/2006/relationships">
+<p:sld xmlns:a="http://schemas.openxmlformats.org/drawingml/2006/main" xmlns:r="http://schemas.openxmlformats.org/officeDocument/2006/relationships" xmlns:p="http://schemas.openxmlformats.org/presentationml/2006/main">
   <p:cSld>
     <p:spTree>
       <p:nvGrpSpPr>
@@ -3870,7 +3964,14 @@
         <p:cNvGrpSpPr/>
         <p:nvPr/>
       </p:nvGrpSpPr>
-      <p:grpSpPr/>
+      <p:grpSpPr>
+        <a:xfrm>
+          <a:off x="0" y="0"/>
+          <a:ext cx="0" cy="0"/>
+          <a:chOff x="0" y="0"/>
+          <a:chExt cx="0" cy="0"/>
+        </a:xfrm>
+      </p:grpSpPr>
       <p:sp>
         <p:nvSpPr>
           <p:cNvPr id="2" name="Title 1"/>
@@ -3885,7 +3986,9 @@
         <p:txBody>
           <a:bodyPr/>
           <a:lstStyle/>
-          <a:p/>
+          <a:p>
+            <a:endParaRPr/>
+          </a:p>
         </p:txBody>
       </p:sp>
       <p:sp>
@@ -3976,7 +4079,7 @@
 </file>
 
 <file path=ppt/slides/slide13.xml><?xml version="1.0" encoding="utf-8"?>
-<p:sld xmlns:a="http://schemas.openxmlformats.org/drawingml/2006/main" xmlns:p="http://schemas.openxmlformats.org/presentationml/2006/main" xmlns:r="http://schemas.openxmlformats.org/officeDocument/2006/relationships">
+<p:sld xmlns:a="http://schemas.openxmlformats.org/drawingml/2006/main" xmlns:r="http://schemas.openxmlformats.org/officeDocument/2006/relationships" xmlns:p="http://schemas.openxmlformats.org/presentationml/2006/main">
   <p:cSld>
     <p:spTree>
       <p:nvGrpSpPr>
@@ -3984,7 +4087,14 @@
         <p:cNvGrpSpPr/>
         <p:nvPr/>
       </p:nvGrpSpPr>
-      <p:grpSpPr/>
+      <p:grpSpPr>
+        <a:xfrm>
+          <a:off x="0" y="0"/>
+          <a:ext cx="0" cy="0"/>
+          <a:chOff x="0" y="0"/>
+          <a:chExt cx="0" cy="0"/>
+        </a:xfrm>
+      </p:grpSpPr>
       <p:sp>
         <p:nvSpPr>
           <p:cNvPr id="2" name="Title 1"/>
@@ -4021,7 +4131,9 @@
         </p:nvSpPr>
         <p:spPr/>
         <p:txBody>
-          <a:bodyPr wrap="square"/>
+          <a:bodyPr wrap="square">
+            <a:normAutofit lnSpcReduction="10000"/>
+          </a:bodyPr>
           <a:lstStyle/>
           <a:p>
             <a:pPr>
@@ -4043,6 +4155,7 @@
             <a:pPr>
               <a:defRPr sz="1200"/>
             </a:pPr>
+            <a:endParaRPr/>
           </a:p>
           <a:p>
             <a:pPr lvl="1">
@@ -4128,6 +4241,7 @@
             <a:pPr>
               <a:defRPr sz="1200"/>
             </a:pPr>
+            <a:endParaRPr/>
           </a:p>
           <a:p>
             <a:pPr>
@@ -4160,7 +4274,7 @@
 </file>
 
 <file path=ppt/slides/slide14.xml><?xml version="1.0" encoding="utf-8"?>
-<p:sld xmlns:a="http://schemas.openxmlformats.org/drawingml/2006/main" xmlns:p="http://schemas.openxmlformats.org/presentationml/2006/main" xmlns:r="http://schemas.openxmlformats.org/officeDocument/2006/relationships">
+<p:sld xmlns:a="http://schemas.openxmlformats.org/drawingml/2006/main" xmlns:r="http://schemas.openxmlformats.org/officeDocument/2006/relationships" xmlns:p="http://schemas.openxmlformats.org/presentationml/2006/main">
   <p:cSld>
     <p:spTree>
       <p:nvGrpSpPr>
@@ -4168,7 +4282,14 @@
         <p:cNvGrpSpPr/>
         <p:nvPr/>
       </p:nvGrpSpPr>
-      <p:grpSpPr/>
+      <p:grpSpPr>
+        <a:xfrm>
+          <a:off x="0" y="0"/>
+          <a:ext cx="0" cy="0"/>
+          <a:chOff x="0" y="0"/>
+          <a:chExt cx="0" cy="0"/>
+        </a:xfrm>
+      </p:grpSpPr>
       <p:sp>
         <p:nvSpPr>
           <p:cNvPr id="2" name="Title 1"/>
@@ -4212,6 +4333,7 @@
               <a:defRPr sz="2400" b="1"/>
             </a:pPr>
             <a:r>
+              <a:rPr dirty="0"/>
               <a:t>10エポックの限界</a:t>
             </a:r>
           </a:p>
@@ -4220,6 +4342,7 @@
               <a:defRPr sz="1800"/>
             </a:pPr>
             <a:r>
+              <a:rPr dirty="0"/>
               <a:t>• log-F0 RMSEの結果から、10エポックでは完全な話者適応には不十分</a:t>
             </a:r>
           </a:p>
@@ -4228,14 +4351,21 @@
               <a:defRPr sz="1600"/>
             </a:pPr>
             <a:r>
-              <a:t>• ベースラインモデル（高音）とターゲット話者（低音）の中間的な音程に収束</a:t>
-            </a:r>
+              <a:rPr dirty="0"/>
+              <a:t>• </a:t>
+            </a:r>
+            <a:r>
+              <a:rPr dirty="0" err="1"/>
+              <a:t>ベースラインモデル（高音）とターゲット話者（低音）の中間的な音程に収束</a:t>
+            </a:r>
+            <a:endParaRPr dirty="0"/>
           </a:p>
           <a:p>
             <a:pPr lvl="2">
               <a:defRPr sz="1600"/>
             </a:pPr>
             <a:r>
+              <a:rPr dirty="0"/>
               <a:t>• 完全な話者適応には、20-50エポック以上の学習が必要と推測</a:t>
             </a:r>
           </a:p>
@@ -4243,20 +4373,24 @@
             <a:pPr>
               <a:defRPr sz="1200"/>
             </a:pPr>
+            <a:endParaRPr dirty="0"/>
           </a:p>
           <a:p>
             <a:pPr>
               <a:defRPr sz="2400" b="1"/>
             </a:pPr>
             <a:r>
+              <a:rPr dirty="0" err="1"/>
               <a:t>音素カバレッジとデータ量の関係</a:t>
             </a:r>
+            <a:endParaRPr dirty="0"/>
           </a:p>
           <a:p>
             <a:pPr lvl="1">
               <a:defRPr sz="1800"/>
             </a:pPr>
             <a:r>
+              <a:rPr dirty="0"/>
               <a:t>• 音素カバレッジ100%でも、データ量が少ない（4文）場合は品質が低下</a:t>
             </a:r>
           </a:p>
@@ -4265,6 +4399,7 @@
               <a:defRPr sz="1600"/>
             </a:pPr>
             <a:r>
+              <a:rPr dirty="0"/>
               <a:t>• 37音素4文（MCD=5.227 dB）とランダム4文（MCD=5.266 dB）の差は小さい（約0.04 dB）</a:t>
             </a:r>
           </a:p>
@@ -4279,7 +4414,7 @@
 </file>
 
 <file path=ppt/slides/slide15.xml><?xml version="1.0" encoding="utf-8"?>
-<p:sld xmlns:a="http://schemas.openxmlformats.org/drawingml/2006/main" xmlns:p="http://schemas.openxmlformats.org/presentationml/2006/main" xmlns:r="http://schemas.openxmlformats.org/officeDocument/2006/relationships">
+<p:sld xmlns:a="http://schemas.openxmlformats.org/drawingml/2006/main" xmlns:r="http://schemas.openxmlformats.org/officeDocument/2006/relationships" xmlns:p="http://schemas.openxmlformats.org/presentationml/2006/main">
   <p:cSld>
     <p:spTree>
       <p:nvGrpSpPr>
@@ -4287,7 +4422,14 @@
         <p:cNvGrpSpPr/>
         <p:nvPr/>
       </p:nvGrpSpPr>
-      <p:grpSpPr/>
+      <p:grpSpPr>
+        <a:xfrm>
+          <a:off x="0" y="0"/>
+          <a:ext cx="0" cy="0"/>
+          <a:chOff x="0" y="0"/>
+          <a:chExt cx="0" cy="0"/>
+        </a:xfrm>
+      </p:grpSpPr>
       <p:sp>
         <p:nvSpPr>
           <p:cNvPr id="2" name="Title 1"/>
@@ -4331,14 +4473,17 @@
               <a:defRPr sz="2400" b="1"/>
             </a:pPr>
             <a:r>
+              <a:rPr dirty="0" err="1"/>
               <a:t>データ量と品質のバランス</a:t>
             </a:r>
+            <a:endParaRPr dirty="0"/>
           </a:p>
           <a:p>
             <a:pPr lvl="1">
               <a:defRPr sz="1800"/>
             </a:pPr>
             <a:r>
+              <a:rPr dirty="0"/>
               <a:t>• 80文と10文の差は小さい（約0.05 dB）→ 10文程度でも十分な品質が得られる可能性</a:t>
             </a:r>
           </a:p>
@@ -4346,12 +4491,14 @@
             <a:pPr>
               <a:defRPr sz="1200"/>
             </a:pPr>
+            <a:endParaRPr dirty="0"/>
           </a:p>
           <a:p>
             <a:pPr>
               <a:defRPr sz="2400" b="1"/>
             </a:pPr>
             <a:r>
+              <a:rPr dirty="0"/>
               <a:t>10エポックの限界</a:t>
             </a:r>
           </a:p>
@@ -4360,7 +4507,16 @@
               <a:defRPr sz="1800"/>
             </a:pPr>
             <a:r>
-              <a:t>• 完全な話者適応には不十分（中間的な音程に収束）</a:t>
+              <a:rPr dirty="0"/>
+              <a:t>• </a:t>
+            </a:r>
+            <a:r>
+              <a:rPr dirty="0" err="1"/>
+              <a:t>完全な話者適応には不十分（中間的な音程に収束</a:t>
+            </a:r>
+            <a:r>
+              <a:rPr dirty="0"/>
+              <a:t>）</a:t>
             </a:r>
           </a:p>
           <a:p>
@@ -4368,6 +4524,7 @@
               <a:defRPr sz="1600"/>
             </a:pPr>
             <a:r>
+              <a:rPr dirty="0"/>
               <a:t>• より多くのエポック数（20-50エポック）が必要と推測</a:t>
             </a:r>
           </a:p>
@@ -4382,7 +4539,7 @@
 </file>
 
 <file path=ppt/slides/slide16.xml><?xml version="1.0" encoding="utf-8"?>
-<p:sld xmlns:a="http://schemas.openxmlformats.org/drawingml/2006/main" xmlns:p="http://schemas.openxmlformats.org/presentationml/2006/main" xmlns:r="http://schemas.openxmlformats.org/officeDocument/2006/relationships">
+<p:sld xmlns:a="http://schemas.openxmlformats.org/drawingml/2006/main" xmlns:r="http://schemas.openxmlformats.org/officeDocument/2006/relationships" xmlns:p="http://schemas.openxmlformats.org/presentationml/2006/main">
   <p:cSld>
     <p:spTree>
       <p:nvGrpSpPr>
@@ -4390,7 +4547,14 @@
         <p:cNvGrpSpPr/>
         <p:nvPr/>
       </p:nvGrpSpPr>
-      <p:grpSpPr/>
+      <p:grpSpPr>
+        <a:xfrm>
+          <a:off x="0" y="0"/>
+          <a:ext cx="0" cy="0"/>
+          <a:chOff x="0" y="0"/>
+          <a:chExt cx="0" cy="0"/>
+        </a:xfrm>
+      </p:grpSpPr>
       <p:sp>
         <p:nvSpPr>
           <p:cNvPr id="2" name="Title 1"/>
@@ -4457,6 +4621,7 @@
             <a:pPr>
               <a:defRPr sz="1200"/>
             </a:pPr>
+            <a:endParaRPr/>
           </a:p>
           <a:p>
             <a:pPr>
@@ -4486,6 +4651,7 @@
             <a:pPr>
               <a:defRPr sz="1200"/>
             </a:pPr>
+            <a:endParaRPr/>
           </a:p>
           <a:p>
             <a:pPr>
@@ -4514,7 +4680,7 @@
 </file>
 
 <file path=ppt/slides/slide2.xml><?xml version="1.0" encoding="utf-8"?>
-<p:sld xmlns:a="http://schemas.openxmlformats.org/drawingml/2006/main" xmlns:p="http://schemas.openxmlformats.org/presentationml/2006/main" xmlns:r="http://schemas.openxmlformats.org/officeDocument/2006/relationships">
+<p:sld xmlns:a="http://schemas.openxmlformats.org/drawingml/2006/main" xmlns:r="http://schemas.openxmlformats.org/officeDocument/2006/relationships" xmlns:p="http://schemas.openxmlformats.org/presentationml/2006/main">
   <p:cSld>
     <p:spTree>
       <p:nvGrpSpPr>
@@ -4522,7 +4688,14 @@
         <p:cNvGrpSpPr/>
         <p:nvPr/>
       </p:nvGrpSpPr>
-      <p:grpSpPr/>
+      <p:grpSpPr>
+        <a:xfrm>
+          <a:off x="0" y="0"/>
+          <a:ext cx="0" cy="0"/>
+          <a:chOff x="0" y="0"/>
+          <a:chExt cx="0" cy="0"/>
+        </a:xfrm>
+      </p:grpSpPr>
       <p:sp>
         <p:nvSpPr>
           <p:cNvPr id="2" name="Title 1"/>
@@ -4612,7 +4785,7 @@
 </file>
 
 <file path=ppt/slides/slide3.xml><?xml version="1.0" encoding="utf-8"?>
-<p:sld xmlns:a="http://schemas.openxmlformats.org/drawingml/2006/main" xmlns:p="http://schemas.openxmlformats.org/presentationml/2006/main" xmlns:r="http://schemas.openxmlformats.org/officeDocument/2006/relationships">
+<p:sld xmlns:a="http://schemas.openxmlformats.org/drawingml/2006/main" xmlns:r="http://schemas.openxmlformats.org/officeDocument/2006/relationships" xmlns:p="http://schemas.openxmlformats.org/presentationml/2006/main">
   <p:cSld>
     <p:spTree>
       <p:nvGrpSpPr>
@@ -4620,7 +4793,14 @@
         <p:cNvGrpSpPr/>
         <p:nvPr/>
       </p:nvGrpSpPr>
-      <p:grpSpPr/>
+      <p:grpSpPr>
+        <a:xfrm>
+          <a:off x="0" y="0"/>
+          <a:ext cx="0" cy="0"/>
+          <a:chOff x="0" y="0"/>
+          <a:chExt cx="0" cy="0"/>
+        </a:xfrm>
+      </p:grpSpPr>
       <p:sp>
         <p:nvSpPr>
           <p:cNvPr id="2" name="Title 1"/>
@@ -4657,7 +4837,9 @@
         </p:nvSpPr>
         <p:spPr/>
         <p:txBody>
-          <a:bodyPr wrap="square"/>
+          <a:bodyPr wrap="square">
+            <a:normAutofit lnSpcReduction="10000"/>
+          </a:bodyPr>
           <a:lstStyle/>
           <a:p>
             <a:pPr>
@@ -4703,6 +4885,7 @@
             <a:pPr>
               <a:defRPr sz="1200"/>
             </a:pPr>
+            <a:endParaRPr/>
           </a:p>
           <a:p>
             <a:pPr>
@@ -4732,6 +4915,7 @@
             <a:pPr>
               <a:defRPr sz="1200"/>
             </a:pPr>
+            <a:endParaRPr/>
           </a:p>
           <a:p>
             <a:pPr>
@@ -4768,7 +4952,7 @@
 </file>
 
 <file path=ppt/slides/slide4.xml><?xml version="1.0" encoding="utf-8"?>
-<p:sld xmlns:a="http://schemas.openxmlformats.org/drawingml/2006/main" xmlns:p="http://schemas.openxmlformats.org/presentationml/2006/main" xmlns:r="http://schemas.openxmlformats.org/officeDocument/2006/relationships">
+<p:sld xmlns:a="http://schemas.openxmlformats.org/drawingml/2006/main" xmlns:r="http://schemas.openxmlformats.org/officeDocument/2006/relationships" xmlns:p="http://schemas.openxmlformats.org/presentationml/2006/main">
   <p:cSld>
     <p:spTree>
       <p:nvGrpSpPr>
@@ -4776,7 +4960,14 @@
         <p:cNvGrpSpPr/>
         <p:nvPr/>
       </p:nvGrpSpPr>
-      <p:grpSpPr/>
+      <p:grpSpPr>
+        <a:xfrm>
+          <a:off x="0" y="0"/>
+          <a:ext cx="0" cy="0"/>
+          <a:chOff x="0" y="0"/>
+          <a:chExt cx="0" cy="0"/>
+        </a:xfrm>
+      </p:grpSpPr>
       <p:sp>
         <p:nvSpPr>
           <p:cNvPr id="2" name="Title 1"/>
@@ -4851,6 +5042,7 @@
             <a:pPr>
               <a:defRPr sz="1200"/>
             </a:pPr>
+            <a:endParaRPr/>
           </a:p>
           <a:p>
             <a:pPr>
@@ -4895,7 +5087,7 @@
 </file>
 
 <file path=ppt/slides/slide5.xml><?xml version="1.0" encoding="utf-8"?>
-<p:sld xmlns:a="http://schemas.openxmlformats.org/drawingml/2006/main" xmlns:p="http://schemas.openxmlformats.org/presentationml/2006/main" xmlns:r="http://schemas.openxmlformats.org/officeDocument/2006/relationships">
+<p:sld xmlns:a="http://schemas.openxmlformats.org/drawingml/2006/main" xmlns:r="http://schemas.openxmlformats.org/officeDocument/2006/relationships" xmlns:p="http://schemas.openxmlformats.org/presentationml/2006/main">
   <p:cSld>
     <p:spTree>
       <p:nvGrpSpPr>
@@ -4903,7 +5095,14 @@
         <p:cNvGrpSpPr/>
         <p:nvPr/>
       </p:nvGrpSpPr>
-      <p:grpSpPr/>
+      <p:grpSpPr>
+        <a:xfrm>
+          <a:off x="0" y="0"/>
+          <a:ext cx="0" cy="0"/>
+          <a:chOff x="0" y="0"/>
+          <a:chExt cx="0" cy="0"/>
+        </a:xfrm>
+      </p:grpSpPr>
       <p:sp>
         <p:nvSpPr>
           <p:cNvPr id="2" name="Title 1"/>
@@ -4942,7 +5141,9 @@
         <p:txBody>
           <a:bodyPr/>
           <a:lstStyle/>
-          <a:p/>
+          <a:p>
+            <a:endParaRPr/>
+          </a:p>
         </p:txBody>
       </p:sp>
       <p:graphicFrame>
@@ -4964,9 +5165,27 @@
                 <a:tableStyleId>{5C22544A-7EE6-4342-B048-85BDC9FD1C3A}</a:tableStyleId>
               </a:tblPr>
               <a:tblGrid>
-                <a:gridCol w="2438400"/>
-                <a:gridCol w="2438400"/>
-                <a:gridCol w="2438400"/>
+                <a:gridCol w="2438400">
+                  <a:extLst>
+                    <a:ext uri="{9D8B030D-6E8A-4147-A177-3AD203B41FA5}">
+                      <a16:colId xmlns:a16="http://schemas.microsoft.com/office/drawing/2014/main" val="20000"/>
+                    </a:ext>
+                  </a:extLst>
+                </a:gridCol>
+                <a:gridCol w="2438400">
+                  <a:extLst>
+                    <a:ext uri="{9D8B030D-6E8A-4147-A177-3AD203B41FA5}">
+                      <a16:colId xmlns:a16="http://schemas.microsoft.com/office/drawing/2014/main" val="20001"/>
+                    </a:ext>
+                  </a:extLst>
+                </a:gridCol>
+                <a:gridCol w="2438400">
+                  <a:extLst>
+                    <a:ext uri="{9D8B030D-6E8A-4147-A177-3AD203B41FA5}">
+                      <a16:colId xmlns:a16="http://schemas.microsoft.com/office/drawing/2014/main" val="20002"/>
+                    </a:ext>
+                  </a:extLst>
+                </a:gridCol>
               </a:tblGrid>
               <a:tr h="640080">
                 <a:tc>
@@ -5014,6 +5233,11 @@
                   </a:txBody>
                   <a:tcPr/>
                 </a:tc>
+                <a:extLst>
+                  <a:ext uri="{0D108BD9-81ED-4DB2-BD59-A6C34878D82A}">
+                    <a16:rowId xmlns:a16="http://schemas.microsoft.com/office/drawing/2014/main" val="10000"/>
+                  </a:ext>
+                </a:extLst>
               </a:tr>
               <a:tr h="640080">
                 <a:tc>
@@ -5061,6 +5285,11 @@
                   </a:txBody>
                   <a:tcPr/>
                 </a:tc>
+                <a:extLst>
+                  <a:ext uri="{0D108BD9-81ED-4DB2-BD59-A6C34878D82A}">
+                    <a16:rowId xmlns:a16="http://schemas.microsoft.com/office/drawing/2014/main" val="10001"/>
+                  </a:ext>
+                </a:extLst>
               </a:tr>
               <a:tr h="640080">
                 <a:tc>
@@ -5108,6 +5337,11 @@
                   </a:txBody>
                   <a:tcPr/>
                 </a:tc>
+                <a:extLst>
+                  <a:ext uri="{0D108BD9-81ED-4DB2-BD59-A6C34878D82A}">
+                    <a16:rowId xmlns:a16="http://schemas.microsoft.com/office/drawing/2014/main" val="10002"/>
+                  </a:ext>
+                </a:extLst>
               </a:tr>
               <a:tr h="640080">
                 <a:tc>
@@ -5155,6 +5389,11 @@
                   </a:txBody>
                   <a:tcPr/>
                 </a:tc>
+                <a:extLst>
+                  <a:ext uri="{0D108BD9-81ED-4DB2-BD59-A6C34878D82A}">
+                    <a16:rowId xmlns:a16="http://schemas.microsoft.com/office/drawing/2014/main" val="10003"/>
+                  </a:ext>
+                </a:extLst>
               </a:tr>
               <a:tr h="640080">
                 <a:tc>
@@ -5202,6 +5441,11 @@
                   </a:txBody>
                   <a:tcPr/>
                 </a:tc>
+                <a:extLst>
+                  <a:ext uri="{0D108BD9-81ED-4DB2-BD59-A6C34878D82A}">
+                    <a16:rowId xmlns:a16="http://schemas.microsoft.com/office/drawing/2014/main" val="10004"/>
+                  </a:ext>
+                </a:extLst>
               </a:tr>
             </a:tbl>
           </a:graphicData>
@@ -5271,7 +5515,7 @@
 </file>
 
 <file path=ppt/slides/slide6.xml><?xml version="1.0" encoding="utf-8"?>
-<p:sld xmlns:a="http://schemas.openxmlformats.org/drawingml/2006/main" xmlns:p="http://schemas.openxmlformats.org/presentationml/2006/main" xmlns:r="http://schemas.openxmlformats.org/officeDocument/2006/relationships">
+<p:sld xmlns:a="http://schemas.openxmlformats.org/drawingml/2006/main" xmlns:r="http://schemas.openxmlformats.org/officeDocument/2006/relationships" xmlns:p="http://schemas.openxmlformats.org/presentationml/2006/main">
   <p:cSld>
     <p:spTree>
       <p:nvGrpSpPr>
@@ -5279,7 +5523,14 @@
         <p:cNvGrpSpPr/>
         <p:nvPr/>
       </p:nvGrpSpPr>
-      <p:grpSpPr/>
+      <p:grpSpPr>
+        <a:xfrm>
+          <a:off x="0" y="0"/>
+          <a:ext cx="0" cy="0"/>
+          <a:chOff x="0" y="0"/>
+          <a:chExt cx="0" cy="0"/>
+        </a:xfrm>
+      </p:grpSpPr>
       <p:sp>
         <p:nvSpPr>
           <p:cNvPr id="2" name="Title 1"/>
@@ -5316,7 +5567,9 @@
         </p:nvSpPr>
         <p:spPr/>
         <p:txBody>
-          <a:bodyPr wrap="square"/>
+          <a:bodyPr wrap="square">
+            <a:normAutofit fontScale="92500" lnSpcReduction="10000"/>
+          </a:bodyPr>
           <a:lstStyle/>
           <a:p>
             <a:pPr>
@@ -5354,6 +5607,7 @@
             <a:pPr>
               <a:defRPr sz="1200"/>
             </a:pPr>
+            <a:endParaRPr/>
           </a:p>
           <a:p>
             <a:pPr>
@@ -5454,7 +5708,7 @@
 </file>
 
 <file path=ppt/slides/slide7.xml><?xml version="1.0" encoding="utf-8"?>
-<p:sld xmlns:a="http://schemas.openxmlformats.org/drawingml/2006/main" xmlns:p="http://schemas.openxmlformats.org/presentationml/2006/main" xmlns:r="http://schemas.openxmlformats.org/officeDocument/2006/relationships">
+<p:sld xmlns:a="http://schemas.openxmlformats.org/drawingml/2006/main" xmlns:r="http://schemas.openxmlformats.org/officeDocument/2006/relationships" xmlns:p="http://schemas.openxmlformats.org/presentationml/2006/main">
   <p:cSld>
     <p:spTree>
       <p:nvGrpSpPr>
@@ -5462,7 +5716,14 @@
         <p:cNvGrpSpPr/>
         <p:nvPr/>
       </p:nvGrpSpPr>
-      <p:grpSpPr/>
+      <p:grpSpPr>
+        <a:xfrm>
+          <a:off x="0" y="0"/>
+          <a:ext cx="0" cy="0"/>
+          <a:chOff x="0" y="0"/>
+          <a:chExt cx="0" cy="0"/>
+        </a:xfrm>
+      </p:grpSpPr>
       <p:sp>
         <p:nvSpPr>
           <p:cNvPr id="2" name="Title 1"/>
@@ -5545,6 +5806,7 @@
             <a:pPr>
               <a:defRPr sz="1200"/>
             </a:pPr>
+            <a:endParaRPr/>
           </a:p>
           <a:p>
             <a:pPr>
@@ -5581,7 +5843,7 @@
 </file>
 
 <file path=ppt/slides/slide8.xml><?xml version="1.0" encoding="utf-8"?>
-<p:sld xmlns:a="http://schemas.openxmlformats.org/drawingml/2006/main" xmlns:p="http://schemas.openxmlformats.org/presentationml/2006/main" xmlns:r="http://schemas.openxmlformats.org/officeDocument/2006/relationships">
+<p:sld xmlns:a="http://schemas.openxmlformats.org/drawingml/2006/main" xmlns:r="http://schemas.openxmlformats.org/officeDocument/2006/relationships" xmlns:p="http://schemas.openxmlformats.org/presentationml/2006/main">
   <p:cSld>
     <p:spTree>
       <p:nvGrpSpPr>
@@ -5589,7 +5851,14 @@
         <p:cNvGrpSpPr/>
         <p:nvPr/>
       </p:nvGrpSpPr>
-      <p:grpSpPr/>
+      <p:grpSpPr>
+        <a:xfrm>
+          <a:off x="0" y="0"/>
+          <a:ext cx="0" cy="0"/>
+          <a:chOff x="0" y="0"/>
+          <a:chExt cx="0" cy="0"/>
+        </a:xfrm>
+      </p:grpSpPr>
       <p:sp>
         <p:nvSpPr>
           <p:cNvPr id="2" name="Title 1"/>
@@ -5628,7 +5897,9 @@
         <p:txBody>
           <a:bodyPr/>
           <a:lstStyle/>
-          <a:p/>
+          <a:p>
+            <a:endParaRPr/>
+          </a:p>
         </p:txBody>
       </p:sp>
       <p:graphicFrame>
@@ -5650,9 +5921,27 @@
                 <a:tableStyleId>{5C22544A-7EE6-4342-B048-85BDC9FD1C3A}</a:tableStyleId>
               </a:tblPr>
               <a:tblGrid>
-                <a:gridCol w="2438400"/>
-                <a:gridCol w="2438400"/>
-                <a:gridCol w="2438400"/>
+                <a:gridCol w="2438400">
+                  <a:extLst>
+                    <a:ext uri="{9D8B030D-6E8A-4147-A177-3AD203B41FA5}">
+                      <a16:colId xmlns:a16="http://schemas.microsoft.com/office/drawing/2014/main" val="20000"/>
+                    </a:ext>
+                  </a:extLst>
+                </a:gridCol>
+                <a:gridCol w="2438400">
+                  <a:extLst>
+                    <a:ext uri="{9D8B030D-6E8A-4147-A177-3AD203B41FA5}">
+                      <a16:colId xmlns:a16="http://schemas.microsoft.com/office/drawing/2014/main" val="20001"/>
+                    </a:ext>
+                  </a:extLst>
+                </a:gridCol>
+                <a:gridCol w="2438400">
+                  <a:extLst>
+                    <a:ext uri="{9D8B030D-6E8A-4147-A177-3AD203B41FA5}">
+                      <a16:colId xmlns:a16="http://schemas.microsoft.com/office/drawing/2014/main" val="20002"/>
+                    </a:ext>
+                  </a:extLst>
+                </a:gridCol>
               </a:tblGrid>
               <a:tr h="457200">
                 <a:tc>
@@ -5694,12 +5983,18 @@
                         <a:defRPr sz="1400" b="1"/>
                       </a:pPr>
                       <a:r>
+                        <a:rPr dirty="0"/>
                         <a:t>学習時間（10エポック）</a:t>
                       </a:r>
                     </a:p>
                   </a:txBody>
                   <a:tcPr/>
                 </a:tc>
+                <a:extLst>
+                  <a:ext uri="{0D108BD9-81ED-4DB2-BD59-A6C34878D82A}">
+                    <a16:rowId xmlns:a16="http://schemas.microsoft.com/office/drawing/2014/main" val="10000"/>
+                  </a:ext>
+                </a:extLst>
               </a:tr>
               <a:tr h="457200">
                 <a:tc>
@@ -5747,6 +6042,11 @@
                   </a:txBody>
                   <a:tcPr/>
                 </a:tc>
+                <a:extLst>
+                  <a:ext uri="{0D108BD9-81ED-4DB2-BD59-A6C34878D82A}">
+                    <a16:rowId xmlns:a16="http://schemas.microsoft.com/office/drawing/2014/main" val="10001"/>
+                  </a:ext>
+                </a:extLst>
               </a:tr>
               <a:tr h="457200">
                 <a:tc>
@@ -5794,6 +6094,11 @@
                   </a:txBody>
                   <a:tcPr/>
                 </a:tc>
+                <a:extLst>
+                  <a:ext uri="{0D108BD9-81ED-4DB2-BD59-A6C34878D82A}">
+                    <a16:rowId xmlns:a16="http://schemas.microsoft.com/office/drawing/2014/main" val="10002"/>
+                  </a:ext>
+                </a:extLst>
               </a:tr>
               <a:tr h="457200">
                 <a:tc>
@@ -5841,6 +6146,11 @@
                   </a:txBody>
                   <a:tcPr/>
                 </a:tc>
+                <a:extLst>
+                  <a:ext uri="{0D108BD9-81ED-4DB2-BD59-A6C34878D82A}">
+                    <a16:rowId xmlns:a16="http://schemas.microsoft.com/office/drawing/2014/main" val="10003"/>
+                  </a:ext>
+                </a:extLst>
               </a:tr>
               <a:tr h="457200">
                 <a:tc>
@@ -5882,12 +6192,18 @@
                         <a:defRPr sz="1400"/>
                       </a:pPr>
                       <a:r>
+                        <a:rPr dirty="0"/>
                         <a:t>約56分9秒</a:t>
                       </a:r>
                     </a:p>
                   </a:txBody>
                   <a:tcPr/>
                 </a:tc>
+                <a:extLst>
+                  <a:ext uri="{0D108BD9-81ED-4DB2-BD59-A6C34878D82A}">
+                    <a16:rowId xmlns:a16="http://schemas.microsoft.com/office/drawing/2014/main" val="10004"/>
+                  </a:ext>
+                </a:extLst>
               </a:tr>
             </a:tbl>
           </a:graphicData>
@@ -5949,7 +6265,7 @@
 </file>
 
 <file path=ppt/slides/slide9.xml><?xml version="1.0" encoding="utf-8"?>
-<p:sld xmlns:a="http://schemas.openxmlformats.org/drawingml/2006/main" xmlns:p="http://schemas.openxmlformats.org/presentationml/2006/main" xmlns:r="http://schemas.openxmlformats.org/officeDocument/2006/relationships">
+<p:sld xmlns:a="http://schemas.openxmlformats.org/drawingml/2006/main" xmlns:r="http://schemas.openxmlformats.org/officeDocument/2006/relationships" xmlns:p="http://schemas.openxmlformats.org/presentationml/2006/main">
   <p:cSld>
     <p:spTree>
       <p:nvGrpSpPr>
@@ -5957,7 +6273,14 @@
         <p:cNvGrpSpPr/>
         <p:nvPr/>
       </p:nvGrpSpPr>
-      <p:grpSpPr/>
+      <p:grpSpPr>
+        <a:xfrm>
+          <a:off x="0" y="0"/>
+          <a:ext cx="0" cy="0"/>
+          <a:chOff x="0" y="0"/>
+          <a:chExt cx="0" cy="0"/>
+        </a:xfrm>
+      </p:grpSpPr>
       <p:sp>
         <p:nvSpPr>
           <p:cNvPr id="2" name="Title 1"/>
@@ -6024,6 +6347,7 @@
             <a:pPr>
               <a:defRPr sz="1200"/>
             </a:pPr>
+            <a:endParaRPr/>
           </a:p>
           <a:p>
             <a:pPr>
@@ -6053,6 +6377,7 @@
             <a:pPr>
               <a:defRPr sz="1200"/>
             </a:pPr>
+            <a:endParaRPr/>
           </a:p>
           <a:p>
             <a:pPr>
